--- a/UX_UI.pptx
+++ b/UX_UI.pptx
@@ -5,8 +5,10 @@
     <p:sldMasterId id="2147483648" r:id="rId1"/>
   </p:sldMasterIdLst>
   <p:sldIdLst>
-    <p:sldId id="256" r:id="rId2"/>
-    <p:sldId id="257" r:id="rId3"/>
+    <p:sldId id="259" r:id="rId2"/>
+    <p:sldId id="256" r:id="rId3"/>
+    <p:sldId id="257" r:id="rId4"/>
+    <p:sldId id="258" r:id="rId5"/>
   </p:sldIdLst>
   <p:sldSz cx="12192000" cy="6858000"/>
   <p:notesSz cx="6858000" cy="9144000"/>
@@ -264,7 +266,7 @@
           <a:p>
             <a:fld id="{A4C017DC-F404-46B9-BFF0-E31AC6F371B7}" type="datetimeFigureOut">
               <a:rPr lang="ko-KR" altLang="en-US" smtClean="0"/>
-              <a:t>2017-09-18</a:t>
+              <a:t>2017-09-21</a:t>
             </a:fld>
             <a:endParaRPr lang="ko-KR" altLang="en-US"/>
           </a:p>
@@ -462,7 +464,7 @@
           <a:p>
             <a:fld id="{A4C017DC-F404-46B9-BFF0-E31AC6F371B7}" type="datetimeFigureOut">
               <a:rPr lang="ko-KR" altLang="en-US" smtClean="0"/>
-              <a:t>2017-09-18</a:t>
+              <a:t>2017-09-21</a:t>
             </a:fld>
             <a:endParaRPr lang="ko-KR" altLang="en-US"/>
           </a:p>
@@ -670,7 +672,7 @@
           <a:p>
             <a:fld id="{A4C017DC-F404-46B9-BFF0-E31AC6F371B7}" type="datetimeFigureOut">
               <a:rPr lang="ko-KR" altLang="en-US" smtClean="0"/>
-              <a:t>2017-09-18</a:t>
+              <a:t>2017-09-21</a:t>
             </a:fld>
             <a:endParaRPr lang="ko-KR" altLang="en-US"/>
           </a:p>
@@ -868,7 +870,7 @@
           <a:p>
             <a:fld id="{A4C017DC-F404-46B9-BFF0-E31AC6F371B7}" type="datetimeFigureOut">
               <a:rPr lang="ko-KR" altLang="en-US" smtClean="0"/>
-              <a:t>2017-09-18</a:t>
+              <a:t>2017-09-21</a:t>
             </a:fld>
             <a:endParaRPr lang="ko-KR" altLang="en-US"/>
           </a:p>
@@ -1143,7 +1145,7 @@
           <a:p>
             <a:fld id="{A4C017DC-F404-46B9-BFF0-E31AC6F371B7}" type="datetimeFigureOut">
               <a:rPr lang="ko-KR" altLang="en-US" smtClean="0"/>
-              <a:t>2017-09-18</a:t>
+              <a:t>2017-09-21</a:t>
             </a:fld>
             <a:endParaRPr lang="ko-KR" altLang="en-US"/>
           </a:p>
@@ -1408,7 +1410,7 @@
           <a:p>
             <a:fld id="{A4C017DC-F404-46B9-BFF0-E31AC6F371B7}" type="datetimeFigureOut">
               <a:rPr lang="ko-KR" altLang="en-US" smtClean="0"/>
-              <a:t>2017-09-18</a:t>
+              <a:t>2017-09-21</a:t>
             </a:fld>
             <a:endParaRPr lang="ko-KR" altLang="en-US"/>
           </a:p>
@@ -1820,7 +1822,7 @@
           <a:p>
             <a:fld id="{A4C017DC-F404-46B9-BFF0-E31AC6F371B7}" type="datetimeFigureOut">
               <a:rPr lang="ko-KR" altLang="en-US" smtClean="0"/>
-              <a:t>2017-09-18</a:t>
+              <a:t>2017-09-21</a:t>
             </a:fld>
             <a:endParaRPr lang="ko-KR" altLang="en-US"/>
           </a:p>
@@ -1961,7 +1963,7 @@
           <a:p>
             <a:fld id="{A4C017DC-F404-46B9-BFF0-E31AC6F371B7}" type="datetimeFigureOut">
               <a:rPr lang="ko-KR" altLang="en-US" smtClean="0"/>
-              <a:t>2017-09-18</a:t>
+              <a:t>2017-09-21</a:t>
             </a:fld>
             <a:endParaRPr lang="ko-KR" altLang="en-US"/>
           </a:p>
@@ -2074,7 +2076,7 @@
           <a:p>
             <a:fld id="{A4C017DC-F404-46B9-BFF0-E31AC6F371B7}" type="datetimeFigureOut">
               <a:rPr lang="ko-KR" altLang="en-US" smtClean="0"/>
-              <a:t>2017-09-18</a:t>
+              <a:t>2017-09-21</a:t>
             </a:fld>
             <a:endParaRPr lang="ko-KR" altLang="en-US"/>
           </a:p>
@@ -2385,7 +2387,7 @@
           <a:p>
             <a:fld id="{A4C017DC-F404-46B9-BFF0-E31AC6F371B7}" type="datetimeFigureOut">
               <a:rPr lang="ko-KR" altLang="en-US" smtClean="0"/>
-              <a:t>2017-09-18</a:t>
+              <a:t>2017-09-21</a:t>
             </a:fld>
             <a:endParaRPr lang="ko-KR" altLang="en-US"/>
           </a:p>
@@ -2673,7 +2675,7 @@
           <a:p>
             <a:fld id="{A4C017DC-F404-46B9-BFF0-E31AC6F371B7}" type="datetimeFigureOut">
               <a:rPr lang="ko-KR" altLang="en-US" smtClean="0"/>
-              <a:t>2017-09-18</a:t>
+              <a:t>2017-09-21</a:t>
             </a:fld>
             <a:endParaRPr lang="ko-KR" altLang="en-US"/>
           </a:p>
@@ -2914,7 +2916,7 @@
           <a:p>
             <a:fld id="{A4C017DC-F404-46B9-BFF0-E31AC6F371B7}" type="datetimeFigureOut">
               <a:rPr lang="ko-KR" altLang="en-US" smtClean="0"/>
-              <a:t>2017-09-18</a:t>
+              <a:t>2017-09-21</a:t>
             </a:fld>
             <a:endParaRPr lang="ko-KR" altLang="en-US"/>
           </a:p>
@@ -3333,6 +3335,122 @@
       </p:grpSpPr>
       <p:sp>
         <p:nvSpPr>
+          <p:cNvPr id="2" name="제목 1">
+            <a:extLst>
+              <a:ext uri="{FF2B5EF4-FFF2-40B4-BE49-F238E27FC236}">
+                <a16:creationId xmlns:a16="http://schemas.microsoft.com/office/drawing/2014/main" id="{0FA17B78-4D59-4593-B4D2-BFCFBAD702E5}"/>
+              </a:ext>
+            </a:extLst>
+          </p:cNvPr>
+          <p:cNvSpPr>
+            <a:spLocks noGrp="1"/>
+          </p:cNvSpPr>
+          <p:nvPr>
+            <p:ph type="title"/>
+          </p:nvPr>
+        </p:nvSpPr>
+        <p:spPr>
+          <a:xfrm>
+            <a:off x="838200" y="2264947"/>
+            <a:ext cx="10515600" cy="1325563"/>
+          </a:xfrm>
+        </p:spPr>
+        <p:txBody>
+          <a:bodyPr/>
+          <a:lstStyle/>
+          <a:p>
+            <a:pPr algn="ctr"/>
+            <a:r>
+              <a:rPr lang="en-US" altLang="ko-KR" dirty="0" err="1"/>
+              <a:t>Geul</a:t>
+            </a:r>
+            <a:r>
+              <a:rPr lang="en-US" altLang="ko-KR" dirty="0"/>
+              <a:t>-Lock</a:t>
+            </a:r>
+            <a:r>
+              <a:rPr lang="ko-KR" altLang="en-US" dirty="0"/>
+              <a:t> </a:t>
+            </a:r>
+            <a:r>
+              <a:rPr lang="en-US" altLang="ko-KR" dirty="0"/>
+              <a:t>UI</a:t>
+            </a:r>
+            <a:r>
+              <a:rPr lang="ko-KR" altLang="en-US" dirty="0"/>
+              <a:t> 계획서</a:t>
+            </a:r>
+          </a:p>
+        </p:txBody>
+      </p:sp>
+      <p:sp>
+        <p:nvSpPr>
+          <p:cNvPr id="3" name="내용 개체 틀 2">
+            <a:extLst>
+              <a:ext uri="{FF2B5EF4-FFF2-40B4-BE49-F238E27FC236}">
+                <a16:creationId xmlns:a16="http://schemas.microsoft.com/office/drawing/2014/main" id="{78FD9A01-2182-4146-8C97-7C0E8D8B2497}"/>
+              </a:ext>
+            </a:extLst>
+          </p:cNvPr>
+          <p:cNvSpPr>
+            <a:spLocks noGrp="1"/>
+          </p:cNvSpPr>
+          <p:nvPr>
+            <p:ph idx="1"/>
+          </p:nvPr>
+        </p:nvSpPr>
+        <p:spPr>
+          <a:xfrm>
+            <a:off x="838200" y="4172505"/>
+            <a:ext cx="10515600" cy="2004458"/>
+          </a:xfrm>
+        </p:spPr>
+        <p:txBody>
+          <a:bodyPr/>
+          <a:lstStyle/>
+          <a:p>
+            <a:pPr marL="0" indent="0" algn="r">
+              <a:buNone/>
+            </a:pPr>
+            <a:r>
+              <a:rPr lang="ko-KR" altLang="en-US"/>
+              <a:t>이유정 정은호</a:t>
+            </a:r>
+          </a:p>
+        </p:txBody>
+      </p:sp>
+    </p:spTree>
+    <p:extLst>
+      <p:ext uri="{BB962C8B-B14F-4D97-AF65-F5344CB8AC3E}">
+        <p14:creationId xmlns:p14="http://schemas.microsoft.com/office/powerpoint/2010/main" val="1772424899"/>
+      </p:ext>
+    </p:extLst>
+  </p:cSld>
+  <p:clrMapOvr>
+    <a:masterClrMapping/>
+  </p:clrMapOvr>
+</p:sld>
+</file>
+
+<file path=ppt/slides/slide2.xml><?xml version="1.0" encoding="utf-8"?>
+<p:sld xmlns:a="http://schemas.openxmlformats.org/drawingml/2006/main" xmlns:r="http://schemas.openxmlformats.org/officeDocument/2006/relationships" xmlns:p="http://schemas.openxmlformats.org/presentationml/2006/main">
+  <p:cSld>
+    <p:spTree>
+      <p:nvGrpSpPr>
+        <p:cNvPr id="1" name=""/>
+        <p:cNvGrpSpPr/>
+        <p:nvPr/>
+      </p:nvGrpSpPr>
+      <p:grpSpPr>
+        <a:xfrm>
+          <a:off x="0" y="0"/>
+          <a:ext cx="0" cy="0"/>
+          <a:chOff x="0" y="0"/>
+          <a:chExt cx="0" cy="0"/>
+        </a:xfrm>
+      </p:grpSpPr>
+      <p:sp>
+        <p:nvSpPr>
           <p:cNvPr id="4" name="직사각형 3">
             <a:extLst>
               <a:ext uri="{FF2B5EF4-FFF2-40B4-BE49-F238E27FC236}">
@@ -3678,7 +3796,7 @@
 </p:sld>
 </file>
 
-<file path=ppt/slides/slide2.xml><?xml version="1.0" encoding="utf-8"?>
+<file path=ppt/slides/slide3.xml><?xml version="1.0" encoding="utf-8"?>
 <p:sld xmlns:a="http://schemas.openxmlformats.org/drawingml/2006/main" xmlns:r="http://schemas.openxmlformats.org/officeDocument/2006/relationships" xmlns:p="http://schemas.openxmlformats.org/presentationml/2006/main">
   <p:cSld>
     <p:spTree>
@@ -5272,6 +5390,72 @@
 </p:sld>
 </file>
 
+<file path=ppt/slides/slide4.xml><?xml version="1.0" encoding="utf-8"?>
+<p:sld xmlns:a="http://schemas.openxmlformats.org/drawingml/2006/main" xmlns:r="http://schemas.openxmlformats.org/officeDocument/2006/relationships" xmlns:p="http://schemas.openxmlformats.org/presentationml/2006/main">
+  <p:cSld>
+    <p:spTree>
+      <p:nvGrpSpPr>
+        <p:cNvPr id="1" name=""/>
+        <p:cNvGrpSpPr/>
+        <p:nvPr/>
+      </p:nvGrpSpPr>
+      <p:grpSpPr>
+        <a:xfrm>
+          <a:off x="0" y="0"/>
+          <a:ext cx="0" cy="0"/>
+          <a:chOff x="0" y="0"/>
+          <a:chExt cx="0" cy="0"/>
+        </a:xfrm>
+      </p:grpSpPr>
+      <p:pic>
+        <p:nvPicPr>
+          <p:cNvPr id="8" name="그림 7" descr="텍스트, 화이트보드이(가) 표시된 사진&#10;&#10;매우 높은 신뢰도로 생성된 설명">
+            <a:extLst>
+              <a:ext uri="{FF2B5EF4-FFF2-40B4-BE49-F238E27FC236}">
+                <a16:creationId xmlns:a16="http://schemas.microsoft.com/office/drawing/2014/main" id="{345698F0-67AF-47E4-BAA8-54ABCB514FF8}"/>
+              </a:ext>
+            </a:extLst>
+          </p:cNvPr>
+          <p:cNvPicPr>
+            <a:picLocks noChangeAspect="1"/>
+          </p:cNvPicPr>
+          <p:nvPr/>
+        </p:nvPicPr>
+        <p:blipFill>
+          <a:blip r:embed="rId2">
+            <a:extLst>
+              <a:ext uri="{28A0092B-C50C-407E-A947-70E740481C1C}">
+                <a14:useLocalDpi xmlns:a14="http://schemas.microsoft.com/office/drawing/2010/main" val="0"/>
+              </a:ext>
+            </a:extLst>
+          </a:blip>
+          <a:stretch>
+            <a:fillRect/>
+          </a:stretch>
+        </p:blipFill>
+        <p:spPr>
+          <a:xfrm>
+            <a:off x="1489806" y="579381"/>
+            <a:ext cx="9358707" cy="6010998"/>
+          </a:xfrm>
+          <a:prstGeom prst="rect">
+            <a:avLst/>
+          </a:prstGeom>
+        </p:spPr>
+      </p:pic>
+    </p:spTree>
+    <p:extLst>
+      <p:ext uri="{BB962C8B-B14F-4D97-AF65-F5344CB8AC3E}">
+        <p14:creationId xmlns:p14="http://schemas.microsoft.com/office/powerpoint/2010/main" val="580919949"/>
+      </p:ext>
+    </p:extLst>
+  </p:cSld>
+  <p:clrMapOvr>
+    <a:masterClrMapping/>
+  </p:clrMapOvr>
+</p:sld>
+</file>
+
 <file path=ppt/theme/theme1.xml><?xml version="1.0" encoding="utf-8"?>
 <a:theme xmlns:a="http://schemas.openxmlformats.org/drawingml/2006/main" name="Office 테마">
   <a:themeElements>
